--- a/lectures/lecture-16/CSE12F20-Lecture-16-HashTable.pptx
+++ b/lectures/lecture-16/CSE12F20-Lecture-16-HashTable.pptx
@@ -10685,7 +10685,7 @@
               <a:buNone/>
             </a:pPr>
             <a:r>
-              <a:rPr lang="en" sz="800">
+              <a:rPr lang="en" sz="800" dirty="0">
                 <a:latin typeface="Roboto Mono"/>
                 <a:ea typeface="Roboto Mono"/>
                 <a:cs typeface="Roboto Mono"/>
@@ -10693,7 +10693,7 @@
               </a:rPr>
               <a:t>"dog"			"dim"</a:t>
             </a:r>
-            <a:endParaRPr sz="800">
+            <a:endParaRPr sz="800" dirty="0">
               <a:latin typeface="Roboto Mono"/>
               <a:ea typeface="Roboto Mono"/>
               <a:cs typeface="Roboto Mono"/>
@@ -10710,7 +10710,7 @@
               </a:spcAft>
               <a:buNone/>
             </a:pPr>
-            <a:endParaRPr sz="800">
+            <a:endParaRPr sz="800" dirty="0">
               <a:latin typeface="Roboto Mono"/>
               <a:ea typeface="Roboto Mono"/>
               <a:cs typeface="Roboto Mono"/>
@@ -10727,7 +10727,7 @@
               </a:spcAft>
               <a:buNone/>
             </a:pPr>
-            <a:endParaRPr sz="800">
+            <a:endParaRPr sz="800" dirty="0">
               <a:latin typeface="Roboto Mono"/>
               <a:ea typeface="Roboto Mono"/>
               <a:cs typeface="Roboto Mono"/>
@@ -10744,7 +10744,7 @@
               </a:spcAft>
               <a:buNone/>
             </a:pPr>
-            <a:endParaRPr sz="800">
+            <a:endParaRPr sz="800" dirty="0">
               <a:latin typeface="Roboto Mono"/>
               <a:ea typeface="Roboto Mono"/>
               <a:cs typeface="Roboto Mono"/>
@@ -10761,7 +10761,7 @@
               </a:spcAft>
               <a:buNone/>
             </a:pPr>
-            <a:endParaRPr sz="800">
+            <a:endParaRPr sz="800" dirty="0">
               <a:latin typeface="Roboto Mono"/>
               <a:ea typeface="Roboto Mono"/>
               <a:cs typeface="Roboto Mono"/>
@@ -10778,7 +10778,7 @@
               </a:spcAft>
               <a:buNone/>
             </a:pPr>
-            <a:endParaRPr sz="800">
+            <a:endParaRPr sz="800" dirty="0">
               <a:latin typeface="Roboto Mono"/>
               <a:ea typeface="Roboto Mono"/>
               <a:cs typeface="Roboto Mono"/>
@@ -10795,7 +10795,7 @@
               </a:spcAft>
               <a:buNone/>
             </a:pPr>
-            <a:endParaRPr sz="800">
+            <a:endParaRPr sz="800" dirty="0">
               <a:latin typeface="Roboto Mono"/>
               <a:ea typeface="Roboto Mono"/>
               <a:cs typeface="Roboto Mono"/>
@@ -10813,7 +10813,7 @@
               <a:buNone/>
             </a:pPr>
             <a:r>
-              <a:rPr lang="en" sz="800">
+              <a:rPr lang="en" sz="800" dirty="0">
                 <a:latin typeface="Roboto Mono"/>
                 <a:ea typeface="Roboto Mono"/>
                 <a:cs typeface="Roboto Mono"/>
@@ -10821,7 +10821,7 @@
               </a:rPr>
               <a:t>"dog"			"log"</a:t>
             </a:r>
-            <a:endParaRPr sz="800">
+            <a:endParaRPr sz="800" dirty="0">
               <a:latin typeface="Roboto Mono"/>
               <a:ea typeface="Roboto Mono"/>
               <a:cs typeface="Roboto Mono"/>
@@ -10838,7 +10838,7 @@
               </a:spcAft>
               <a:buNone/>
             </a:pPr>
-            <a:endParaRPr sz="800">
+            <a:endParaRPr sz="800" dirty="0">
               <a:latin typeface="Roboto Mono"/>
               <a:ea typeface="Roboto Mono"/>
               <a:cs typeface="Roboto Mono"/>
@@ -10855,7 +10855,7 @@
               </a:spcAft>
               <a:buNone/>
             </a:pPr>
-            <a:endParaRPr sz="800">
+            <a:endParaRPr sz="800" dirty="0">
               <a:latin typeface="Roboto Mono"/>
               <a:ea typeface="Roboto Mono"/>
               <a:cs typeface="Roboto Mono"/>
@@ -10872,7 +10872,7 @@
               </a:spcAft>
               <a:buNone/>
             </a:pPr>
-            <a:endParaRPr sz="800">
+            <a:endParaRPr sz="800" dirty="0">
               <a:latin typeface="Roboto Mono"/>
               <a:ea typeface="Roboto Mono"/>
               <a:cs typeface="Roboto Mono"/>
@@ -10889,7 +10889,7 @@
               </a:spcAft>
               <a:buNone/>
             </a:pPr>
-            <a:endParaRPr sz="800">
+            <a:endParaRPr sz="800" dirty="0">
               <a:latin typeface="Roboto Mono"/>
               <a:ea typeface="Roboto Mono"/>
               <a:cs typeface="Roboto Mono"/>
@@ -10906,7 +10906,7 @@
               </a:spcAft>
               <a:buNone/>
             </a:pPr>
-            <a:endParaRPr sz="800">
+            <a:endParaRPr sz="800" dirty="0">
               <a:latin typeface="Roboto Mono"/>
               <a:ea typeface="Roboto Mono"/>
               <a:cs typeface="Roboto Mono"/>
@@ -10923,7 +10923,7 @@
               </a:spcAft>
               <a:buNone/>
             </a:pPr>
-            <a:endParaRPr sz="800">
+            <a:endParaRPr sz="800" dirty="0">
               <a:latin typeface="Roboto Mono"/>
               <a:ea typeface="Roboto Mono"/>
               <a:cs typeface="Roboto Mono"/>
@@ -10941,7 +10941,7 @@
               <a:buNone/>
             </a:pPr>
             <a:r>
-              <a:rPr lang="en" sz="800">
+              <a:rPr lang="en" sz="800" dirty="0">
                 <a:latin typeface="Roboto Mono"/>
                 <a:ea typeface="Roboto Mono"/>
                 <a:cs typeface="Roboto Mono"/>
@@ -10949,7 +10949,7 @@
               </a:rPr>
               <a:t>"ok"			"ALM"</a:t>
             </a:r>
-            <a:endParaRPr sz="800">
+            <a:endParaRPr sz="800" dirty="0">
               <a:latin typeface="Roboto Mono"/>
               <a:ea typeface="Roboto Mono"/>
               <a:cs typeface="Roboto Mono"/>
@@ -10966,7 +10966,7 @@
               </a:spcAft>
               <a:buNone/>
             </a:pPr>
-            <a:endParaRPr sz="800">
+            <a:endParaRPr sz="800" dirty="0">
               <a:latin typeface="Roboto Mono"/>
               <a:ea typeface="Roboto Mono"/>
               <a:cs typeface="Roboto Mono"/>
@@ -10983,7 +10983,7 @@
               </a:spcAft>
               <a:buNone/>
             </a:pPr>
-            <a:endParaRPr sz="800">
+            <a:endParaRPr sz="800" dirty="0">
               <a:latin typeface="Roboto Mono"/>
               <a:ea typeface="Roboto Mono"/>
               <a:cs typeface="Roboto Mono"/>
@@ -11000,7 +11000,7 @@
               </a:spcAft>
               <a:buNone/>
             </a:pPr>
-            <a:endParaRPr sz="800">
+            <a:endParaRPr sz="800" dirty="0">
               <a:latin typeface="Roboto Mono"/>
               <a:ea typeface="Roboto Mono"/>
               <a:cs typeface="Roboto Mono"/>
@@ -11017,7 +11017,7 @@
               </a:spcAft>
               <a:buNone/>
             </a:pPr>
-            <a:endParaRPr sz="800">
+            <a:endParaRPr sz="800" dirty="0">
               <a:latin typeface="Roboto Mono"/>
               <a:ea typeface="Roboto Mono"/>
               <a:cs typeface="Roboto Mono"/>
@@ -11034,7 +11034,7 @@
               </a:spcAft>
               <a:buNone/>
             </a:pPr>
-            <a:endParaRPr sz="800">
+            <a:endParaRPr sz="800" dirty="0">
               <a:latin typeface="Roboto Mono"/>
               <a:ea typeface="Roboto Mono"/>
               <a:cs typeface="Roboto Mono"/>
@@ -11051,7 +11051,7 @@
               </a:spcAft>
               <a:buNone/>
             </a:pPr>
-            <a:endParaRPr sz="800">
+            <a:endParaRPr sz="800" dirty="0">
               <a:latin typeface="Roboto Mono"/>
               <a:ea typeface="Roboto Mono"/>
               <a:cs typeface="Roboto Mono"/>
@@ -11069,15 +11069,15 @@
               <a:buNone/>
             </a:pPr>
             <a:r>
-              <a:rPr lang="en" sz="800">
+              <a:rPr lang="en" sz="800" dirty="0">
                 <a:latin typeface="Roboto Mono"/>
                 <a:ea typeface="Roboto Mono"/>
                 <a:cs typeface="Roboto Mono"/>
                 <a:sym typeface="Roboto Mono"/>
               </a:rPr>
-              <a:t>	"unheavenly"		"hypoplankton"</a:t>
-            </a:r>
-            <a:endParaRPr sz="800">
+              <a:t>     "unheavenly"	      "hypoplankton"</a:t>
+            </a:r>
+            <a:endParaRPr sz="800" dirty="0">
               <a:latin typeface="Roboto Mono"/>
               <a:ea typeface="Roboto Mono"/>
               <a:cs typeface="Roboto Mono"/>
@@ -11120,8 +11120,8 @@
         </p:nvSpPr>
         <p:spPr>
           <a:xfrm>
-            <a:off x="394500" y="4098825"/>
-            <a:ext cx="7388100" cy="1081200"/>
+            <a:off x="0" y="4098825"/>
+            <a:ext cx="7782600" cy="1081200"/>
           </a:xfrm>
           <a:prstGeom prst="rect">
             <a:avLst/>
@@ -11147,12 +11147,160 @@
               <a:buNone/>
             </a:pPr>
             <a:r>
+              <a:rPr lang="en" sz="800" dirty="0">
+                <a:solidFill>
+                  <a:schemeClr val="dk1"/>
+                </a:solidFill>
+              </a:rPr>
+              <a:t>All strings (arbitrarily many!):   </a:t>
+            </a:r>
+            <a:r>
+              <a:rPr lang="en" sz="800" dirty="0">
+                <a:solidFill>
+                  <a:schemeClr val="dk1"/>
+                </a:solidFill>
+                <a:latin typeface="Roboto Mono"/>
+                <a:ea typeface="Roboto Mono"/>
+                <a:cs typeface="Roboto Mono"/>
+                <a:sym typeface="Roboto Mono"/>
+              </a:rPr>
+              <a:t>""   ...  "a“   "b" ... "aa" 	"ab" ... "zz" ... "aaa" "aab" ...	"zzzzzzzz..." ...</a:t>
+            </a:r>
+            <a:endParaRPr sz="800" dirty="0">
+              <a:solidFill>
+                <a:schemeClr val="dk1"/>
+              </a:solidFill>
+              <a:latin typeface="Roboto Mono"/>
+              <a:ea typeface="Roboto Mono"/>
+              <a:cs typeface="Roboto Mono"/>
+              <a:sym typeface="Roboto Mono"/>
+            </a:endParaRPr>
+          </a:p>
+          <a:p>
+            <a:pPr marL="0" lvl="0" indent="0" algn="l" rtl="0">
+              <a:spcBef>
+                <a:spcPts val="0"/>
+              </a:spcBef>
+              <a:spcAft>
+                <a:spcPts val="0"/>
+              </a:spcAft>
+              <a:buNone/>
+            </a:pPr>
+            <a:endParaRPr sz="800" dirty="0">
+              <a:solidFill>
+                <a:schemeClr val="dk1"/>
+              </a:solidFill>
+            </a:endParaRPr>
+          </a:p>
+          <a:p>
+            <a:pPr marL="0" lvl="0" indent="0" algn="l" rtl="0">
+              <a:spcBef>
+                <a:spcPts val="0"/>
+              </a:spcBef>
+              <a:spcAft>
+                <a:spcPts val="0"/>
+              </a:spcAft>
+              <a:buNone/>
+            </a:pPr>
+            <a:endParaRPr sz="800" dirty="0">
+              <a:solidFill>
+                <a:schemeClr val="dk1"/>
+              </a:solidFill>
+            </a:endParaRPr>
+          </a:p>
+          <a:p>
+            <a:pPr marL="0" lvl="0" indent="0" algn="l" rtl="0">
+              <a:spcBef>
+                <a:spcPts val="0"/>
+              </a:spcBef>
+              <a:spcAft>
+                <a:spcPts val="0"/>
+              </a:spcAft>
+              <a:buNone/>
+            </a:pPr>
+            <a:r>
+              <a:rPr lang="en" sz="800" dirty="0">
+                <a:solidFill>
+                  <a:schemeClr val="dk1"/>
+                </a:solidFill>
+              </a:rPr>
+              <a:t>Hashed to 2^32 ints:	</a:t>
+            </a:r>
+            <a:r>
+              <a:rPr lang="en" sz="800" dirty="0">
+                <a:solidFill>
+                  <a:schemeClr val="dk1"/>
+                </a:solidFill>
+                <a:latin typeface="Roboto Mono"/>
+                <a:ea typeface="Roboto Mono"/>
+                <a:cs typeface="Roboto Mono"/>
+                <a:sym typeface="Roboto Mono"/>
+              </a:rPr>
+              <a:t>-2147483648 -2147483647 ... -1001 -1000 ... -2 -1 0 1 2 ... 1000 1001 ... 2147483647</a:t>
+            </a:r>
+            <a:endParaRPr sz="800" dirty="0">
+              <a:solidFill>
+                <a:schemeClr val="dk1"/>
+              </a:solidFill>
+            </a:endParaRPr>
+          </a:p>
+          <a:p>
+            <a:pPr marL="0" lvl="0" indent="0" algn="l" rtl="0">
+              <a:spcBef>
+                <a:spcPts val="0"/>
+              </a:spcBef>
+              <a:spcAft>
+                <a:spcPts val="0"/>
+              </a:spcAft>
+              <a:buNone/>
+            </a:pPr>
+            <a:endParaRPr sz="800" dirty="0">
+              <a:solidFill>
+                <a:schemeClr val="dk1"/>
+              </a:solidFill>
+            </a:endParaRPr>
+          </a:p>
+          <a:p>
+            <a:pPr marL="0" lvl="0" indent="0" algn="l" rtl="0">
+              <a:spcBef>
+                <a:spcPts val="0"/>
+              </a:spcBef>
+              <a:spcAft>
+                <a:spcPts val="0"/>
+              </a:spcAft>
+              <a:buNone/>
+            </a:pPr>
+            <a:endParaRPr sz="800" dirty="0">
+              <a:solidFill>
+                <a:schemeClr val="dk1"/>
+              </a:solidFill>
+            </a:endParaRPr>
+          </a:p>
+          <a:p>
+            <a:pPr marL="0" lvl="0" indent="0" algn="l" rtl="0">
+              <a:spcBef>
+                <a:spcPts val="0"/>
+              </a:spcBef>
+              <a:spcAft>
+                <a:spcPts val="0"/>
+              </a:spcAft>
+              <a:buNone/>
+            </a:pPr>
+            <a:r>
+              <a:rPr lang="en" sz="800" dirty="0">
+                <a:solidFill>
+                  <a:schemeClr val="dk1"/>
+                </a:solidFill>
+              </a:rPr>
+              <a:t>Made into array indices </a:t>
+            </a:r>
+            <a:r>
               <a:rPr lang="en" sz="800">
                 <a:solidFill>
                   <a:schemeClr val="dk1"/>
                 </a:solidFill>
               </a:rPr>
-              <a:t>All strings (arbitrarily many!): 	</a:t>
+              <a:t>by %:   </a:t>
             </a:r>
             <a:r>
               <a:rPr lang="en" sz="800">
@@ -11164,70 +11312,10 @@
                 <a:cs typeface="Roboto Mono"/>
                 <a:sym typeface="Roboto Mono"/>
               </a:rPr>
-              <a:t>"" ...	"a" 	"b" ... "aa" 	"ab" ... "zz" ... "aaa" "aab" ...	"zzzzzzzz..." ...</a:t>
-            </a:r>
-            <a:endParaRPr sz="800">
-              <a:solidFill>
-                <a:schemeClr val="dk1"/>
-              </a:solidFill>
-              <a:latin typeface="Roboto Mono"/>
-              <a:ea typeface="Roboto Mono"/>
-              <a:cs typeface="Roboto Mono"/>
-              <a:sym typeface="Roboto Mono"/>
-            </a:endParaRPr>
-          </a:p>
-          <a:p>
-            <a:pPr marL="0" lvl="0" indent="0" algn="l" rtl="0">
-              <a:spcBef>
-                <a:spcPts val="0"/>
-              </a:spcBef>
-              <a:spcAft>
-                <a:spcPts val="0"/>
-              </a:spcAft>
-              <a:buNone/>
-            </a:pPr>
-            <a:endParaRPr sz="800">
-              <a:solidFill>
-                <a:schemeClr val="dk1"/>
-              </a:solidFill>
-            </a:endParaRPr>
-          </a:p>
-          <a:p>
-            <a:pPr marL="0" lvl="0" indent="0" algn="l" rtl="0">
-              <a:spcBef>
-                <a:spcPts val="0"/>
-              </a:spcBef>
-              <a:spcAft>
-                <a:spcPts val="0"/>
-              </a:spcAft>
-              <a:buNone/>
-            </a:pPr>
-            <a:endParaRPr sz="800">
-              <a:solidFill>
-                <a:schemeClr val="dk1"/>
-              </a:solidFill>
-            </a:endParaRPr>
-          </a:p>
-          <a:p>
-            <a:pPr marL="0" lvl="0" indent="0" algn="l" rtl="0">
-              <a:spcBef>
-                <a:spcPts val="0"/>
-              </a:spcBef>
-              <a:spcAft>
-                <a:spcPts val="0"/>
-              </a:spcAft>
-              <a:buNone/>
-            </a:pPr>
-            <a:r>
-              <a:rPr lang="en" sz="800">
-                <a:solidFill>
-                  <a:schemeClr val="dk1"/>
-                </a:solidFill>
-              </a:rPr>
-              <a:t>Hashed to 2^32 ints:	</a:t>
-            </a:r>
-            <a:r>
-              <a:rPr lang="en" sz="800">
+              <a:t>0    1    2    3    4     5    6</a:t>
+            </a:r>
+            <a:r>
+              <a:rPr lang="en" sz="800" dirty="0">
                 <a:solidFill>
                   <a:schemeClr val="dk1"/>
                 </a:solidFill>
@@ -11236,77 +11324,9 @@
                 <a:cs typeface="Roboto Mono"/>
                 <a:sym typeface="Roboto Mono"/>
               </a:rPr>
-              <a:t>-2147483648 -2147483647 ... -1001 -1000 ... -2 -1 0 1 2 ... 1000 1001 ... 2147483647</a:t>
-            </a:r>
-            <a:endParaRPr sz="800">
-              <a:solidFill>
-                <a:schemeClr val="dk1"/>
-              </a:solidFill>
-            </a:endParaRPr>
-          </a:p>
-          <a:p>
-            <a:pPr marL="0" lvl="0" indent="0" algn="l" rtl="0">
-              <a:spcBef>
-                <a:spcPts val="0"/>
-              </a:spcBef>
-              <a:spcAft>
-                <a:spcPts val="0"/>
-              </a:spcAft>
-              <a:buNone/>
-            </a:pPr>
-            <a:endParaRPr sz="800">
-              <a:solidFill>
-                <a:schemeClr val="dk1"/>
-              </a:solidFill>
-            </a:endParaRPr>
-          </a:p>
-          <a:p>
-            <a:pPr marL="0" lvl="0" indent="0" algn="l" rtl="0">
-              <a:spcBef>
-                <a:spcPts val="0"/>
-              </a:spcBef>
-              <a:spcAft>
-                <a:spcPts val="0"/>
-              </a:spcAft>
-              <a:buNone/>
-            </a:pPr>
-            <a:endParaRPr sz="800">
-              <a:solidFill>
-                <a:schemeClr val="dk1"/>
-              </a:solidFill>
-            </a:endParaRPr>
-          </a:p>
-          <a:p>
-            <a:pPr marL="0" lvl="0" indent="0" algn="l" rtl="0">
-              <a:spcBef>
-                <a:spcPts val="0"/>
-              </a:spcBef>
-              <a:spcAft>
-                <a:spcPts val="0"/>
-              </a:spcAft>
-              <a:buNone/>
-            </a:pPr>
-            <a:r>
-              <a:rPr lang="en" sz="800">
-                <a:solidFill>
-                  <a:schemeClr val="dk1"/>
-                </a:solidFill>
-              </a:rPr>
-              <a:t>Made into array indices by %:		</a:t>
-            </a:r>
-            <a:r>
-              <a:rPr lang="en" sz="800">
-                <a:solidFill>
-                  <a:schemeClr val="dk1"/>
-                </a:solidFill>
-                <a:latin typeface="Roboto Mono"/>
-                <a:ea typeface="Roboto Mono"/>
-                <a:cs typeface="Roboto Mono"/>
-                <a:sym typeface="Roboto Mono"/>
-              </a:rPr>
-              <a:t>0	1	2	3	4	5	6	7	8	9	10	...</a:t>
-            </a:r>
-            <a:endParaRPr sz="800">
+              <a:t>	7	8	9	10	...</a:t>
+            </a:r>
+            <a:endParaRPr sz="800" dirty="0">
               <a:solidFill>
                 <a:schemeClr val="dk1"/>
               </a:solidFill>
